--- a/slides/Docker Tutorial.pptx
+++ b/slides/Docker Tutorial.pptx
@@ -5589,23 +5589,6 @@
               <a:defRPr/>
             </a:pPr>
             <a:r>
-              <a:rPr kumimoji="0" lang="en-US" altLang="ko-KR" sz="1800" b="0" i="0" u="none" strike="noStrike" kern="0" cap="none" spc="0" normalizeH="0" baseline="0" noProof="0">
-                <a:ln>
-                  <a:noFill/>
-                </a:ln>
-                <a:solidFill>
-                  <a:srgbClr val="000000"/>
-                </a:solidFill>
-                <a:effectLst/>
-                <a:uLnTx/>
-                <a:uFillTx/>
-                <a:latin typeface="Arial"/>
-                <a:cs typeface="Arial"/>
-                <a:sym typeface="Arial"/>
-              </a:rPr>
-              <a:t>Feburary</a:t>
-            </a:r>
-            <a:r>
               <a:rPr kumimoji="0" lang="en-US" altLang="ko-KR" sz="1800" b="0" i="0" u="none" strike="noStrike" kern="0" cap="none" spc="0" normalizeH="0" baseline="0" noProof="0" dirty="0">
                 <a:ln>
                   <a:noFill/>
@@ -5620,7 +5603,7 @@
                 <a:cs typeface="Arial"/>
                 <a:sym typeface="Arial"/>
               </a:rPr>
-              <a:t> 6, 2025</a:t>
+              <a:t>February 6, 2025</a:t>
             </a:r>
             <a:endParaRPr kumimoji="0" lang="en-US" altLang="ko-KR" sz="2400" b="0" i="0" u="none" strike="noStrike" kern="0" cap="none" spc="0" normalizeH="0" baseline="0" noProof="0" dirty="0">
               <a:ln>
